--- a/Comms - Direct Solution V4.pptx
+++ b/Comms - Direct Solution V4.pptx
@@ -204,7 +204,7 @@
             <a:fld id="{A9F4FE38-4BBB-458E-8404-C8E5EF1A0562}" type="datetimeFigureOut">
               <a:rPr lang="en-US" smtClean="0"/>
               <a:pPr/>
-              <a:t>6/1/2015</a:t>
+              <a:t>9/24/2017</a:t>
             </a:fld>
             <a:endParaRPr lang="en-US"/>
           </a:p>
@@ -375,7 +375,7 @@
     </p:spTree>
     <p:extLst>
       <p:ext uri="{BB962C8B-B14F-4D97-AF65-F5344CB8AC3E}">
-        <p14:creationId xmlns:p14="http://schemas.microsoft.com/office/powerpoint/2010/main" xmlns="" val="1253827133"/>
+        <p14:creationId xmlns="" xmlns:p14="http://schemas.microsoft.com/office/powerpoint/2010/main" val="1253827133"/>
       </p:ext>
     </p:extLst>
   </p:cSld>
@@ -1614,7 +1614,7 @@
             <a:fld id="{1D8BD707-D9CF-40AE-B4C6-C98DA3205C09}" type="datetimeFigureOut">
               <a:rPr lang="en-US" smtClean="0"/>
               <a:pPr/>
-              <a:t>6/1/2015</a:t>
+              <a:t>9/24/2017</a:t>
             </a:fld>
             <a:endParaRPr lang="en-US"/>
           </a:p>
@@ -1781,7 +1781,7 @@
             <a:fld id="{1D8BD707-D9CF-40AE-B4C6-C98DA3205C09}" type="datetimeFigureOut">
               <a:rPr lang="en-US" smtClean="0"/>
               <a:pPr/>
-              <a:t>6/1/2015</a:t>
+              <a:t>9/24/2017</a:t>
             </a:fld>
             <a:endParaRPr lang="en-US"/>
           </a:p>
@@ -1958,7 +1958,7 @@
             <a:fld id="{1D8BD707-D9CF-40AE-B4C6-C98DA3205C09}" type="datetimeFigureOut">
               <a:rPr lang="en-US" smtClean="0"/>
               <a:pPr/>
-              <a:t>6/1/2015</a:t>
+              <a:t>9/24/2017</a:t>
             </a:fld>
             <a:endParaRPr lang="en-US"/>
           </a:p>
@@ -2471,7 +2471,7 @@
             <a:fld id="{1D8BD707-D9CF-40AE-B4C6-C98DA3205C09}" type="datetimeFigureOut">
               <a:rPr lang="en-US" smtClean="0"/>
               <a:pPr/>
-              <a:t>6/1/2015</a:t>
+              <a:t>9/24/2017</a:t>
             </a:fld>
             <a:endParaRPr lang="en-US"/>
           </a:p>
@@ -2714,7 +2714,7 @@
             <a:fld id="{1D8BD707-D9CF-40AE-B4C6-C98DA3205C09}" type="datetimeFigureOut">
               <a:rPr lang="en-US" smtClean="0"/>
               <a:pPr/>
-              <a:t>6/1/2015</a:t>
+              <a:t>9/24/2017</a:t>
             </a:fld>
             <a:endParaRPr lang="en-US"/>
           </a:p>
@@ -2999,7 +2999,7 @@
             <a:fld id="{1D8BD707-D9CF-40AE-B4C6-C98DA3205C09}" type="datetimeFigureOut">
               <a:rPr lang="en-US" smtClean="0"/>
               <a:pPr/>
-              <a:t>6/1/2015</a:t>
+              <a:t>9/24/2017</a:t>
             </a:fld>
             <a:endParaRPr lang="en-US"/>
           </a:p>
@@ -3418,7 +3418,7 @@
             <a:fld id="{1D8BD707-D9CF-40AE-B4C6-C98DA3205C09}" type="datetimeFigureOut">
               <a:rPr lang="en-US" smtClean="0"/>
               <a:pPr/>
-              <a:t>6/1/2015</a:t>
+              <a:t>9/24/2017</a:t>
             </a:fld>
             <a:endParaRPr lang="en-US"/>
           </a:p>
@@ -3533,7 +3533,7 @@
             <a:fld id="{1D8BD707-D9CF-40AE-B4C6-C98DA3205C09}" type="datetimeFigureOut">
               <a:rPr lang="en-US" smtClean="0"/>
               <a:pPr/>
-              <a:t>6/1/2015</a:t>
+              <a:t>9/24/2017</a:t>
             </a:fld>
             <a:endParaRPr lang="en-US"/>
           </a:p>
@@ -3625,7 +3625,7 @@
             <a:fld id="{1D8BD707-D9CF-40AE-B4C6-C98DA3205C09}" type="datetimeFigureOut">
               <a:rPr lang="en-US" smtClean="0"/>
               <a:pPr/>
-              <a:t>6/1/2015</a:t>
+              <a:t>9/24/2017</a:t>
             </a:fld>
             <a:endParaRPr lang="en-US"/>
           </a:p>
@@ -3899,7 +3899,7 @@
             <a:fld id="{1D8BD707-D9CF-40AE-B4C6-C98DA3205C09}" type="datetimeFigureOut">
               <a:rPr lang="en-US" smtClean="0"/>
               <a:pPr/>
-              <a:t>6/1/2015</a:t>
+              <a:t>9/24/2017</a:t>
             </a:fld>
             <a:endParaRPr lang="en-US"/>
           </a:p>
@@ -4149,7 +4149,7 @@
             <a:fld id="{1D8BD707-D9CF-40AE-B4C6-C98DA3205C09}" type="datetimeFigureOut">
               <a:rPr lang="en-US" smtClean="0"/>
               <a:pPr/>
-              <a:t>6/1/2015</a:t>
+              <a:t>9/24/2017</a:t>
             </a:fld>
             <a:endParaRPr lang="en-US"/>
           </a:p>
@@ -4359,7 +4359,7 @@
             <a:fld id="{1D8BD707-D9CF-40AE-B4C6-C98DA3205C09}" type="datetimeFigureOut">
               <a:rPr lang="en-US" smtClean="0"/>
               <a:pPr/>
-              <a:t>6/1/2015</a:t>
+              <a:t>9/24/2017</a:t>
             </a:fld>
             <a:endParaRPr lang="en-US"/>
           </a:p>
@@ -4781,8 +4781,29 @@
                 <a:ea typeface="+mj-ea"/>
                 <a:cs typeface="+mj-cs"/>
               </a:rPr>
-              <a:t>Comms – Direct</a:t>
-            </a:r>
+              <a:t>Comms </a:t>
+            </a:r>
+            <a:r>
+              <a:rPr lang="en-GB" sz="16000" b="1" smtClean="0">
+                <a:latin typeface="+mj-lt"/>
+                <a:ea typeface="+mj-ea"/>
+                <a:cs typeface="+mj-cs"/>
+              </a:rPr>
+              <a:t>– </a:t>
+            </a:r>
+            <a:r>
+              <a:rPr lang="en-GB" sz="16000" b="1" smtClean="0">
+                <a:latin typeface="+mj-lt"/>
+                <a:ea typeface="+mj-ea"/>
+                <a:cs typeface="+mj-cs"/>
+              </a:rPr>
+              <a:t>Direct UPDATEDAAAAAAAAAAAAAA</a:t>
+            </a:r>
+            <a:endParaRPr lang="en-GB" sz="16000" b="1" dirty="0" smtClean="0">
+              <a:latin typeface="+mj-lt"/>
+              <a:ea typeface="+mj-ea"/>
+              <a:cs typeface="+mj-cs"/>
+            </a:endParaRPr>
           </a:p>
           <a:p>
             <a:pPr lvl="0" algn="ctr">
@@ -9642,7 +9663,7 @@
     </p:spTree>
     <p:extLst>
       <p:ext uri="{BB962C8B-B14F-4D97-AF65-F5344CB8AC3E}">
-        <p14:creationId xmlns:p14="http://schemas.microsoft.com/office/powerpoint/2010/main" xmlns="" val="3285289668"/>
+        <p14:creationId xmlns="" xmlns:p14="http://schemas.microsoft.com/office/powerpoint/2010/main" val="3285289668"/>
       </p:ext>
     </p:extLst>
   </p:cSld>
@@ -11296,7 +11317,7 @@
           <a:blip r:embed="rId4" cstate="print">
             <a:extLst>
               <a:ext uri="{28A0092B-C50C-407E-A947-70E740481C1C}">
-                <a14:useLocalDpi xmlns:a14="http://schemas.microsoft.com/office/drawing/2010/main" xmlns="" val="0"/>
+                <a14:useLocalDpi xmlns="" xmlns:a14="http://schemas.microsoft.com/office/drawing/2010/main" val="0"/>
               </a:ext>
             </a:extLst>
           </a:blip>
